--- a/documentation/The Transition Academy.pptx
+++ b/documentation/The Transition Academy.pptx
@@ -9,9 +9,10 @@
     <p:sldId id="258" r:id="rId3"/>
     <p:sldId id="259" r:id="rId4"/>
     <p:sldId id="263" r:id="rId5"/>
-    <p:sldId id="260" r:id="rId6"/>
-    <p:sldId id="261" r:id="rId7"/>
-    <p:sldId id="262" r:id="rId8"/>
+    <p:sldId id="264" r:id="rId6"/>
+    <p:sldId id="260" r:id="rId7"/>
+    <p:sldId id="261" r:id="rId8"/>
+    <p:sldId id="262" r:id="rId9"/>
   </p:sldIdLst>
   <p:sldSz cx="12192000" cy="6858000"/>
   <p:notesSz cx="6858000" cy="9144000"/>
@@ -119,6 +120,7 @@
             <p14:sldId id="258"/>
             <p14:sldId id="259"/>
             <p14:sldId id="263"/>
+            <p14:sldId id="264"/>
             <p14:sldId id="260"/>
             <p14:sldId id="261"/>
             <p14:sldId id="262"/>
@@ -126,8 +128,197 @@
         </p14:section>
       </p14:sectionLst>
     </p:ext>
+    <p:ext uri="{EFAFB233-063F-42B5-8137-9DF3F51BA10A}">
+      <p15:sldGuideLst xmlns:p15="http://schemas.microsoft.com/office/powerpoint/2012/main"/>
+    </p:ext>
   </p:extLst>
 </p:presentation>
+</file>
+
+<file path=ppt/revisionInfo.xml><?xml version="1.0" encoding="utf-8"?>
+<p1510:revInfo xmlns:a="http://schemas.openxmlformats.org/drawingml/2006/main" xmlns:r="http://schemas.openxmlformats.org/officeDocument/2006/relationships" xmlns:p1510="http://schemas.microsoft.com/office/powerpoint/2015/10/main">
+  <p1510:revLst>
+    <p1510:client id="{2F1E7717-1C48-4382-AD1D-BC73BE5B4BA1}" v="406" dt="2019-04-08T05:13:23.743"/>
+  </p1510:revLst>
+</p1510:revInfo>
+</file>
+
+<file path=ppt/changesInfos/changesInfo1.xml><?xml version="1.0" encoding="utf-8"?>
+<pc:chgInfo xmlns:a="http://schemas.openxmlformats.org/drawingml/2006/main" xmlns:r="http://schemas.openxmlformats.org/officeDocument/2006/relationships" xmlns:ac="http://schemas.microsoft.com/office/drawing/2013/main/command" xmlns:pc="http://schemas.microsoft.com/office/powerpoint/2013/main/command">
+  <pc:docChgLst>
+    <pc:chgData name="pavan kumar chongala" userId="c3c4d3916f273096" providerId="LiveId" clId="{2F1E7717-1C48-4382-AD1D-BC73BE5B4BA1}"/>
+    <pc:docChg chg="undo custSel mod addSld modSld">
+      <pc:chgData name="pavan kumar chongala" userId="c3c4d3916f273096" providerId="LiveId" clId="{2F1E7717-1C48-4382-AD1D-BC73BE5B4BA1}" dt="2019-04-08T05:13:23.743" v="407" actId="26606"/>
+      <pc:docMkLst>
+        <pc:docMk/>
+      </pc:docMkLst>
+      <pc:sldChg chg="modSp">
+        <pc:chgData name="pavan kumar chongala" userId="c3c4d3916f273096" providerId="LiveId" clId="{2F1E7717-1C48-4382-AD1D-BC73BE5B4BA1}" dt="2019-04-08T05:11:15.072" v="380" actId="14100"/>
+        <pc:sldMkLst>
+          <pc:docMk/>
+          <pc:sldMk cId="2227741141" sldId="261"/>
+        </pc:sldMkLst>
+        <pc:picChg chg="mod">
+          <ac:chgData name="pavan kumar chongala" userId="c3c4d3916f273096" providerId="LiveId" clId="{2F1E7717-1C48-4382-AD1D-BC73BE5B4BA1}" dt="2019-04-08T05:11:15.072" v="380" actId="14100"/>
+          <ac:picMkLst>
+            <pc:docMk/>
+            <pc:sldMk cId="2227741141" sldId="261"/>
+            <ac:picMk id="2" creationId="{9BE8BD52-13FE-4DAD-8C67-26F9EAC81E02}"/>
+          </ac:picMkLst>
+        </pc:picChg>
+        <pc:picChg chg="mod">
+          <ac:chgData name="pavan kumar chongala" userId="c3c4d3916f273096" providerId="LiveId" clId="{2F1E7717-1C48-4382-AD1D-BC73BE5B4BA1}" dt="2019-04-08T05:11:11.864" v="379" actId="14100"/>
+          <ac:picMkLst>
+            <pc:docMk/>
+            <pc:sldMk cId="2227741141" sldId="261"/>
+            <ac:picMk id="3" creationId="{315994AE-A87B-4763-A8C4-A77756FC5DD9}"/>
+          </ac:picMkLst>
+        </pc:picChg>
+      </pc:sldChg>
+      <pc:sldChg chg="addSp delSp modSp mod setBg setClrOvrMap">
+        <pc:chgData name="pavan kumar chongala" userId="c3c4d3916f273096" providerId="LiveId" clId="{2F1E7717-1C48-4382-AD1D-BC73BE5B4BA1}" dt="2019-04-08T05:13:23.743" v="407" actId="26606"/>
+        <pc:sldMkLst>
+          <pc:docMk/>
+          <pc:sldMk cId="2459188591" sldId="262"/>
+        </pc:sldMkLst>
+        <pc:spChg chg="add mod">
+          <ac:chgData name="pavan kumar chongala" userId="c3c4d3916f273096" providerId="LiveId" clId="{2F1E7717-1C48-4382-AD1D-BC73BE5B4BA1}" dt="2019-04-08T05:13:23.743" v="407" actId="26606"/>
+          <ac:spMkLst>
+            <pc:docMk/>
+            <pc:sldMk cId="2459188591" sldId="262"/>
+            <ac:spMk id="3" creationId="{E8269AFA-1299-4E09-BB00-13719CD76BC2}"/>
+          </ac:spMkLst>
+        </pc:spChg>
+        <pc:spChg chg="add">
+          <ac:chgData name="pavan kumar chongala" userId="c3c4d3916f273096" providerId="LiveId" clId="{2F1E7717-1C48-4382-AD1D-BC73BE5B4BA1}" dt="2019-04-08T05:13:23.743" v="407" actId="26606"/>
+          <ac:spMkLst>
+            <pc:docMk/>
+            <pc:sldMk cId="2459188591" sldId="262"/>
+            <ac:spMk id="8" creationId="{23522FE7-5A29-4EF6-B1EF-2CA55748A772}"/>
+          </ac:spMkLst>
+        </pc:spChg>
+        <pc:spChg chg="add">
+          <ac:chgData name="pavan kumar chongala" userId="c3c4d3916f273096" providerId="LiveId" clId="{2F1E7717-1C48-4382-AD1D-BC73BE5B4BA1}" dt="2019-04-08T05:13:23.743" v="407" actId="26606"/>
+          <ac:spMkLst>
+            <pc:docMk/>
+            <pc:sldMk cId="2459188591" sldId="262"/>
+            <ac:spMk id="16" creationId="{F0AB17F6-592B-45CB-96F6-705C9825AFBC}"/>
+          </ac:spMkLst>
+        </pc:spChg>
+        <pc:picChg chg="del">
+          <ac:chgData name="pavan kumar chongala" userId="c3c4d3916f273096" providerId="LiveId" clId="{2F1E7717-1C48-4382-AD1D-BC73BE5B4BA1}" dt="2019-04-08T05:11:05.539" v="378" actId="478"/>
+          <ac:picMkLst>
+            <pc:docMk/>
+            <pc:sldMk cId="2459188591" sldId="262"/>
+            <ac:picMk id="2" creationId="{B06777C7-BA78-4BCB-9ABF-31292DF3A86D}"/>
+          </ac:picMkLst>
+        </pc:picChg>
+        <pc:picChg chg="add">
+          <ac:chgData name="pavan kumar chongala" userId="c3c4d3916f273096" providerId="LiveId" clId="{2F1E7717-1C48-4382-AD1D-BC73BE5B4BA1}" dt="2019-04-08T05:13:23.743" v="407" actId="26606"/>
+          <ac:picMkLst>
+            <pc:docMk/>
+            <pc:sldMk cId="2459188591" sldId="262"/>
+            <ac:picMk id="10" creationId="{C2192E09-EBC7-416C-B887-DFF915D7F43D}"/>
+          </ac:picMkLst>
+        </pc:picChg>
+        <pc:cxnChg chg="add">
+          <ac:chgData name="pavan kumar chongala" userId="c3c4d3916f273096" providerId="LiveId" clId="{2F1E7717-1C48-4382-AD1D-BC73BE5B4BA1}" dt="2019-04-08T05:13:23.743" v="407" actId="26606"/>
+          <ac:cxnSpMkLst>
+            <pc:docMk/>
+            <pc:sldMk cId="2459188591" sldId="262"/>
+            <ac:cxnSpMk id="12" creationId="{2924498D-E084-44BE-A196-CFCE35564350}"/>
+          </ac:cxnSpMkLst>
+        </pc:cxnChg>
+        <pc:cxnChg chg="add">
+          <ac:chgData name="pavan kumar chongala" userId="c3c4d3916f273096" providerId="LiveId" clId="{2F1E7717-1C48-4382-AD1D-BC73BE5B4BA1}" dt="2019-04-08T05:13:23.743" v="407" actId="26606"/>
+          <ac:cxnSpMkLst>
+            <pc:docMk/>
+            <pc:sldMk cId="2459188591" sldId="262"/>
+            <ac:cxnSpMk id="14" creationId="{3BBC7667-C352-4842-9AFD-E5C16AD002F4}"/>
+          </ac:cxnSpMkLst>
+        </pc:cxnChg>
+        <pc:cxnChg chg="add">
+          <ac:chgData name="pavan kumar chongala" userId="c3c4d3916f273096" providerId="LiveId" clId="{2F1E7717-1C48-4382-AD1D-BC73BE5B4BA1}" dt="2019-04-08T05:13:23.743" v="407" actId="26606"/>
+          <ac:cxnSpMkLst>
+            <pc:docMk/>
+            <pc:sldMk cId="2459188591" sldId="262"/>
+            <ac:cxnSpMk id="18" creationId="{5A9284E7-0823-472D-9963-18D89DFEB8B4}"/>
+          </ac:cxnSpMkLst>
+        </pc:cxnChg>
+      </pc:sldChg>
+      <pc:sldChg chg="addSp delSp modSp">
+        <pc:chgData name="pavan kumar chongala" userId="c3c4d3916f273096" providerId="LiveId" clId="{2F1E7717-1C48-4382-AD1D-BC73BE5B4BA1}" dt="2019-04-08T05:04:16.741" v="153" actId="20577"/>
+        <pc:sldMkLst>
+          <pc:docMk/>
+          <pc:sldMk cId="2447414814" sldId="263"/>
+        </pc:sldMkLst>
+        <pc:spChg chg="add mod">
+          <ac:chgData name="pavan kumar chongala" userId="c3c4d3916f273096" providerId="LiveId" clId="{2F1E7717-1C48-4382-AD1D-BC73BE5B4BA1}" dt="2019-04-08T05:04:16.741" v="153" actId="20577"/>
+          <ac:spMkLst>
+            <pc:docMk/>
+            <pc:sldMk cId="2447414814" sldId="263"/>
+            <ac:spMk id="4" creationId="{BA120BF0-769E-4C20-BEDB-470D703D0782}"/>
+          </ac:spMkLst>
+        </pc:spChg>
+        <pc:picChg chg="add del mod">
+          <ac:chgData name="pavan kumar chongala" userId="c3c4d3916f273096" providerId="LiveId" clId="{2F1E7717-1C48-4382-AD1D-BC73BE5B4BA1}" dt="2019-04-08T05:04:06.843" v="149" actId="1076"/>
+          <ac:picMkLst>
+            <pc:docMk/>
+            <pc:sldMk cId="2447414814" sldId="263"/>
+            <ac:picMk id="2" creationId="{7C35B75A-3F14-4CC9-9410-1B317945CF00}"/>
+          </ac:picMkLst>
+        </pc:picChg>
+        <pc:picChg chg="add del">
+          <ac:chgData name="pavan kumar chongala" userId="c3c4d3916f273096" providerId="LiveId" clId="{2F1E7717-1C48-4382-AD1D-BC73BE5B4BA1}" dt="2019-04-08T04:45:24.886" v="27" actId="478"/>
+          <ac:picMkLst>
+            <pc:docMk/>
+            <pc:sldMk cId="2447414814" sldId="263"/>
+            <ac:picMk id="3" creationId="{9BBDF683-B2AA-41BE-80EE-C26C87A0D50E}"/>
+          </ac:picMkLst>
+        </pc:picChg>
+      </pc:sldChg>
+      <pc:sldChg chg="addSp delSp modSp add">
+        <pc:chgData name="pavan kumar chongala" userId="c3c4d3916f273096" providerId="LiveId" clId="{2F1E7717-1C48-4382-AD1D-BC73BE5B4BA1}" dt="2019-04-08T05:10:58.964" v="377" actId="1076"/>
+        <pc:sldMkLst>
+          <pc:docMk/>
+          <pc:sldMk cId="1119766640" sldId="264"/>
+        </pc:sldMkLst>
+        <pc:spChg chg="add del mod">
+          <ac:chgData name="pavan kumar chongala" userId="c3c4d3916f273096" providerId="LiveId" clId="{2F1E7717-1C48-4382-AD1D-BC73BE5B4BA1}" dt="2019-04-08T05:04:51.408" v="156"/>
+          <ac:spMkLst>
+            <pc:docMk/>
+            <pc:sldMk cId="1119766640" sldId="264"/>
+            <ac:spMk id="2" creationId="{174A8042-2951-42BE-BDDE-96A9F0C1D5C4}"/>
+          </ac:spMkLst>
+        </pc:spChg>
+        <pc:spChg chg="add del mod">
+          <ac:chgData name="pavan kumar chongala" userId="c3c4d3916f273096" providerId="LiveId" clId="{2F1E7717-1C48-4382-AD1D-BC73BE5B4BA1}" dt="2019-04-08T05:07:25.789" v="178"/>
+          <ac:spMkLst>
+            <pc:docMk/>
+            <pc:sldMk cId="1119766640" sldId="264"/>
+            <ac:spMk id="3" creationId="{55525E1F-4C0D-44A6-907F-BCBBCB7F4A2E}"/>
+          </ac:spMkLst>
+        </pc:spChg>
+        <pc:spChg chg="add mod">
+          <ac:chgData name="pavan kumar chongala" userId="c3c4d3916f273096" providerId="LiveId" clId="{2F1E7717-1C48-4382-AD1D-BC73BE5B4BA1}" dt="2019-04-08T05:06:56.603" v="170" actId="1076"/>
+          <ac:spMkLst>
+            <pc:docMk/>
+            <pc:sldMk cId="1119766640" sldId="264"/>
+            <ac:spMk id="4" creationId="{77EC676B-DF42-4F4D-B8F4-68159A33CB0E}"/>
+          </ac:spMkLst>
+        </pc:spChg>
+        <pc:spChg chg="add mod">
+          <ac:chgData name="pavan kumar chongala" userId="c3c4d3916f273096" providerId="LiveId" clId="{2F1E7717-1C48-4382-AD1D-BC73BE5B4BA1}" dt="2019-04-08T05:10:58.964" v="377" actId="1076"/>
+          <ac:spMkLst>
+            <pc:docMk/>
+            <pc:sldMk cId="1119766640" sldId="264"/>
+            <ac:spMk id="5" creationId="{2267AB4A-820D-4E4B-9F43-9EBC6C02BF52}"/>
+          </ac:spMkLst>
+        </pc:spChg>
+      </pc:sldChg>
+    </pc:docChg>
+  </pc:docChgLst>
+</pc:chgInfo>
 </file>
 
 <file path=ppt/slideLayouts/slideLayout1.xml><?xml version="1.0" encoding="utf-8"?>
@@ -3904,7 +4095,7 @@
           <a:p>
             <a:pPr algn="r"/>
             <a:r>
-              <a:rPr lang="en-US" sz="5400">
+              <a:rPr lang="en-US" sz="5400" dirty="0">
                 <a:latin typeface="Times New Roman" panose="02020603050405020304" pitchFamily="18" charset="0"/>
                 <a:cs typeface="Times New Roman" panose="02020603050405020304" pitchFamily="18" charset="0"/>
               </a:rPr>
@@ -4399,7 +4590,7 @@
         </p:blipFill>
         <p:spPr>
           <a:xfrm>
-            <a:off x="0" y="3428998"/>
+            <a:off x="6096000" y="133354"/>
             <a:ext cx="6096000" cy="3295649"/>
           </a:xfrm>
           <a:prstGeom prst="rect">
@@ -4437,6 +4628,149 @@
           </a:prstGeom>
         </p:spPr>
       </p:pic>
+      <p:sp>
+        <p:nvSpPr>
+          <p:cNvPr id="4" name="TextBox 3">
+            <a:extLst>
+              <a:ext uri="{FF2B5EF4-FFF2-40B4-BE49-F238E27FC236}">
+                <a16:creationId xmlns:a16="http://schemas.microsoft.com/office/drawing/2014/main" id="{BA120BF0-769E-4C20-BEDB-470D703D0782}"/>
+              </a:ext>
+            </a:extLst>
+          </p:cNvPr>
+          <p:cNvSpPr txBox="1"/>
+          <p:nvPr/>
+        </p:nvSpPr>
+        <p:spPr>
+          <a:xfrm>
+            <a:off x="409354" y="441698"/>
+            <a:ext cx="5943600" cy="3970318"/>
+          </a:xfrm>
+          <a:prstGeom prst="rect">
+            <a:avLst/>
+          </a:prstGeom>
+          <a:noFill/>
+        </p:spPr>
+        <p:txBody>
+          <a:bodyPr wrap="square" rtlCol="0">
+            <a:spAutoFit/>
+          </a:bodyPr>
+          <a:lstStyle/>
+          <a:p>
+            <a:pPr marL="457200" indent="-457200">
+              <a:buFont typeface="Arial" panose="020B0604020202020204" pitchFamily="34" charset="0"/>
+              <a:buChar char="•"/>
+            </a:pPr>
+            <a:r>
+              <a:rPr lang="en-US" sz="2800" dirty="0">
+                <a:latin typeface="Times New Roman" panose="02020603050405020304" pitchFamily="18" charset="0"/>
+                <a:cs typeface="Times New Roman" panose="02020603050405020304" pitchFamily="18" charset="0"/>
+              </a:rPr>
+              <a:t>Featured pages:</a:t>
+            </a:r>
+          </a:p>
+          <a:p>
+            <a:pPr marL="457200" indent="-457200">
+              <a:buFont typeface="Arial" panose="020B0604020202020204" pitchFamily="34" charset="0"/>
+              <a:buChar char="•"/>
+            </a:pPr>
+            <a:endParaRPr lang="en-US" sz="2800" dirty="0">
+              <a:latin typeface="Times New Roman" panose="02020603050405020304" pitchFamily="18" charset="0"/>
+              <a:cs typeface="Times New Roman" panose="02020603050405020304" pitchFamily="18" charset="0"/>
+            </a:endParaRPr>
+          </a:p>
+          <a:p>
+            <a:pPr marL="457200" indent="-457200">
+              <a:buFont typeface="Arial" panose="020B0604020202020204" pitchFamily="34" charset="0"/>
+              <a:buChar char="•"/>
+            </a:pPr>
+            <a:r>
+              <a:rPr lang="en-US" sz="2800" dirty="0">
+                <a:latin typeface="Times New Roman" panose="02020603050405020304" pitchFamily="18" charset="0"/>
+                <a:cs typeface="Times New Roman" panose="02020603050405020304" pitchFamily="18" charset="0"/>
+              </a:rPr>
+              <a:t>Homepage</a:t>
+            </a:r>
+          </a:p>
+          <a:p>
+            <a:pPr marL="457200" indent="-457200">
+              <a:buFont typeface="Arial" panose="020B0604020202020204" pitchFamily="34" charset="0"/>
+              <a:buChar char="•"/>
+            </a:pPr>
+            <a:r>
+              <a:rPr lang="en-US" sz="2800" dirty="0">
+                <a:latin typeface="Times New Roman" panose="02020603050405020304" pitchFamily="18" charset="0"/>
+                <a:cs typeface="Times New Roman" panose="02020603050405020304" pitchFamily="18" charset="0"/>
+              </a:rPr>
+              <a:t>Login page</a:t>
+            </a:r>
+          </a:p>
+          <a:p>
+            <a:pPr marL="457200" indent="-457200">
+              <a:buFont typeface="Arial" panose="020B0604020202020204" pitchFamily="34" charset="0"/>
+              <a:buChar char="•"/>
+            </a:pPr>
+            <a:r>
+              <a:rPr lang="en-US" sz="2800" dirty="0">
+                <a:latin typeface="Times New Roman" panose="02020603050405020304" pitchFamily="18" charset="0"/>
+                <a:cs typeface="Times New Roman" panose="02020603050405020304" pitchFamily="18" charset="0"/>
+              </a:rPr>
+              <a:t>Signup page</a:t>
+            </a:r>
+          </a:p>
+          <a:p>
+            <a:pPr marL="457200" indent="-457200">
+              <a:buFont typeface="Arial" panose="020B0604020202020204" pitchFamily="34" charset="0"/>
+              <a:buChar char="•"/>
+            </a:pPr>
+            <a:r>
+              <a:rPr lang="en-US" sz="2800" dirty="0">
+                <a:latin typeface="Times New Roman" panose="02020603050405020304" pitchFamily="18" charset="0"/>
+                <a:cs typeface="Times New Roman" panose="02020603050405020304" pitchFamily="18" charset="0"/>
+              </a:rPr>
+              <a:t>Blog</a:t>
+            </a:r>
+          </a:p>
+          <a:p>
+            <a:pPr marL="457200" indent="-457200">
+              <a:buFont typeface="Arial" panose="020B0604020202020204" pitchFamily="34" charset="0"/>
+              <a:buChar char="•"/>
+            </a:pPr>
+            <a:r>
+              <a:rPr lang="en-US" sz="2800" dirty="0">
+                <a:latin typeface="Times New Roman" panose="02020603050405020304" pitchFamily="18" charset="0"/>
+                <a:cs typeface="Times New Roman" panose="02020603050405020304" pitchFamily="18" charset="0"/>
+              </a:rPr>
+              <a:t>Zip search</a:t>
+            </a:r>
+          </a:p>
+          <a:p>
+            <a:pPr marL="457200" indent="-457200">
+              <a:buFont typeface="Arial" panose="020B0604020202020204" pitchFamily="34" charset="0"/>
+              <a:buChar char="•"/>
+            </a:pPr>
+            <a:r>
+              <a:rPr lang="en-US" sz="2800" dirty="0">
+                <a:latin typeface="Times New Roman" panose="02020603050405020304" pitchFamily="18" charset="0"/>
+                <a:cs typeface="Times New Roman" panose="02020603050405020304" pitchFamily="18" charset="0"/>
+              </a:rPr>
+              <a:t>State search</a:t>
+            </a:r>
+          </a:p>
+          <a:p>
+            <a:pPr marL="457200" indent="-457200">
+              <a:buFont typeface="Arial" panose="020B0604020202020204" pitchFamily="34" charset="0"/>
+              <a:buChar char="•"/>
+            </a:pPr>
+            <a:r>
+              <a:rPr lang="en-US" sz="2800" dirty="0">
+                <a:latin typeface="Times New Roman" panose="02020603050405020304" pitchFamily="18" charset="0"/>
+                <a:cs typeface="Times New Roman" panose="02020603050405020304" pitchFamily="18" charset="0"/>
+              </a:rPr>
+              <a:t>events</a:t>
+            </a:r>
+          </a:p>
+        </p:txBody>
+      </p:sp>
     </p:spTree>
     <p:extLst>
       <p:ext uri="{BB962C8B-B14F-4D97-AF65-F5344CB8AC3E}">
@@ -4451,6 +4785,216 @@
 </file>
 
 <file path=ppt/slides/slide5.xml><?xml version="1.0" encoding="utf-8"?>
+<p:sld xmlns:a="http://schemas.openxmlformats.org/drawingml/2006/main" xmlns:r="http://schemas.openxmlformats.org/officeDocument/2006/relationships" xmlns:p="http://schemas.openxmlformats.org/presentationml/2006/main">
+  <p:cSld>
+    <p:spTree>
+      <p:nvGrpSpPr>
+        <p:cNvPr id="1" name=""/>
+        <p:cNvGrpSpPr/>
+        <p:nvPr/>
+      </p:nvGrpSpPr>
+      <p:grpSpPr>
+        <a:xfrm>
+          <a:off x="0" y="0"/>
+          <a:ext cx="0" cy="0"/>
+          <a:chOff x="0" y="0"/>
+          <a:chExt cx="0" cy="0"/>
+        </a:xfrm>
+      </p:grpSpPr>
+      <p:sp>
+        <p:nvSpPr>
+          <p:cNvPr id="4" name="TextBox 3">
+            <a:extLst>
+              <a:ext uri="{FF2B5EF4-FFF2-40B4-BE49-F238E27FC236}">
+                <a16:creationId xmlns:a16="http://schemas.microsoft.com/office/drawing/2014/main" id="{77EC676B-DF42-4F4D-B8F4-68159A33CB0E}"/>
+              </a:ext>
+            </a:extLst>
+          </p:cNvPr>
+          <p:cNvSpPr txBox="1"/>
+          <p:nvPr/>
+        </p:nvSpPr>
+        <p:spPr>
+          <a:xfrm>
+            <a:off x="574158" y="552893"/>
+            <a:ext cx="4348716" cy="646331"/>
+          </a:xfrm>
+          <a:prstGeom prst="rect">
+            <a:avLst/>
+          </a:prstGeom>
+          <a:noFill/>
+        </p:spPr>
+        <p:txBody>
+          <a:bodyPr wrap="square" rtlCol="0">
+            <a:spAutoFit/>
+          </a:bodyPr>
+          <a:lstStyle/>
+          <a:p>
+            <a:r>
+              <a:rPr lang="en-US" sz="3600" b="1" dirty="0">
+                <a:latin typeface="Times New Roman" panose="02020603050405020304" pitchFamily="18" charset="0"/>
+                <a:cs typeface="Times New Roman" panose="02020603050405020304" pitchFamily="18" charset="0"/>
+              </a:rPr>
+              <a:t>Description Of Pages</a:t>
+            </a:r>
+            <a:endParaRPr lang="en-US" sz="3600" dirty="0">
+              <a:latin typeface="Times New Roman" panose="02020603050405020304" pitchFamily="18" charset="0"/>
+              <a:cs typeface="Times New Roman" panose="02020603050405020304" pitchFamily="18" charset="0"/>
+            </a:endParaRPr>
+          </a:p>
+        </p:txBody>
+      </p:sp>
+      <p:sp>
+        <p:nvSpPr>
+          <p:cNvPr id="5" name="TextBox 4">
+            <a:extLst>
+              <a:ext uri="{FF2B5EF4-FFF2-40B4-BE49-F238E27FC236}">
+                <a16:creationId xmlns:a16="http://schemas.microsoft.com/office/drawing/2014/main" id="{2267AB4A-820D-4E4B-9F43-9EBC6C02BF52}"/>
+              </a:ext>
+            </a:extLst>
+          </p:cNvPr>
+          <p:cNvSpPr txBox="1"/>
+          <p:nvPr/>
+        </p:nvSpPr>
+        <p:spPr>
+          <a:xfrm>
+            <a:off x="574158" y="1597729"/>
+            <a:ext cx="10706986" cy="3662541"/>
+          </a:xfrm>
+          <a:prstGeom prst="rect">
+            <a:avLst/>
+          </a:prstGeom>
+          <a:noFill/>
+        </p:spPr>
+        <p:txBody>
+          <a:bodyPr wrap="square" rtlCol="0">
+            <a:spAutoFit/>
+          </a:bodyPr>
+          <a:lstStyle/>
+          <a:p>
+            <a:pPr marL="457200" indent="-457200">
+              <a:buFont typeface="Arial" panose="020B0604020202020204" pitchFamily="34" charset="0"/>
+              <a:buChar char="•"/>
+            </a:pPr>
+            <a:r>
+              <a:rPr lang="en-US" sz="2800" dirty="0">
+                <a:latin typeface="Times New Roman" panose="02020603050405020304" pitchFamily="18" charset="0"/>
+                <a:cs typeface="Times New Roman" panose="02020603050405020304" pitchFamily="18" charset="0"/>
+              </a:rPr>
+              <a:t>Homepage : introduction and contact details</a:t>
+            </a:r>
+          </a:p>
+          <a:p>
+            <a:pPr marL="457200" indent="-457200">
+              <a:buFont typeface="Arial" panose="020B0604020202020204" pitchFamily="34" charset="0"/>
+              <a:buChar char="•"/>
+            </a:pPr>
+            <a:r>
+              <a:rPr lang="en-US" sz="2800" dirty="0">
+                <a:latin typeface="Times New Roman" panose="02020603050405020304" pitchFamily="18" charset="0"/>
+                <a:cs typeface="Times New Roman" panose="02020603050405020304" pitchFamily="18" charset="0"/>
+              </a:rPr>
+              <a:t>Login page: user login</a:t>
+            </a:r>
+          </a:p>
+          <a:p>
+            <a:pPr marL="457200" indent="-457200">
+              <a:buFont typeface="Arial" panose="020B0604020202020204" pitchFamily="34" charset="0"/>
+              <a:buChar char="•"/>
+            </a:pPr>
+            <a:r>
+              <a:rPr lang="en-US" sz="2800" dirty="0">
+                <a:latin typeface="Times New Roman" panose="02020603050405020304" pitchFamily="18" charset="0"/>
+                <a:cs typeface="Times New Roman" panose="02020603050405020304" pitchFamily="18" charset="0"/>
+              </a:rPr>
+              <a:t>Signup page : registration page</a:t>
+            </a:r>
+          </a:p>
+          <a:p>
+            <a:pPr marL="457200" indent="-457200">
+              <a:buFont typeface="Arial" panose="020B0604020202020204" pitchFamily="34" charset="0"/>
+              <a:buChar char="•"/>
+            </a:pPr>
+            <a:r>
+              <a:rPr lang="en-US" sz="2800" dirty="0">
+                <a:latin typeface="Times New Roman" panose="02020603050405020304" pitchFamily="18" charset="0"/>
+                <a:cs typeface="Times New Roman" panose="02020603050405020304" pitchFamily="18" charset="0"/>
+              </a:rPr>
+              <a:t>Zip search : search of the college and other details on a certain zip code region</a:t>
+            </a:r>
+          </a:p>
+          <a:p>
+            <a:pPr marL="457200" indent="-457200">
+              <a:buFont typeface="Arial" panose="020B0604020202020204" pitchFamily="34" charset="0"/>
+              <a:buChar char="•"/>
+            </a:pPr>
+            <a:r>
+              <a:rPr lang="en-US" sz="2800" dirty="0">
+                <a:latin typeface="Times New Roman" panose="02020603050405020304" pitchFamily="18" charset="0"/>
+                <a:cs typeface="Times New Roman" panose="02020603050405020304" pitchFamily="18" charset="0"/>
+              </a:rPr>
+              <a:t>State search : search of the college and other details on a state </a:t>
+            </a:r>
+          </a:p>
+          <a:p>
+            <a:pPr marL="457200" indent="-457200">
+              <a:buFont typeface="Arial" panose="020B0604020202020204" pitchFamily="34" charset="0"/>
+              <a:buChar char="•"/>
+            </a:pPr>
+            <a:r>
+              <a:rPr lang="en-US" sz="2800" dirty="0">
+                <a:latin typeface="Times New Roman" panose="02020603050405020304" pitchFamily="18" charset="0"/>
+                <a:cs typeface="Times New Roman" panose="02020603050405020304" pitchFamily="18" charset="0"/>
+              </a:rPr>
+              <a:t>Events : events </a:t>
+            </a:r>
+            <a:r>
+              <a:rPr lang="en-US" sz="2800" dirty="0" err="1">
+                <a:latin typeface="Times New Roman" panose="02020603050405020304" pitchFamily="18" charset="0"/>
+                <a:cs typeface="Times New Roman" panose="02020603050405020304" pitchFamily="18" charset="0"/>
+              </a:rPr>
+              <a:t>happining</a:t>
+            </a:r>
+            <a:endParaRPr lang="en-US" sz="2800" dirty="0">
+              <a:latin typeface="Times New Roman" panose="02020603050405020304" pitchFamily="18" charset="0"/>
+              <a:cs typeface="Times New Roman" panose="02020603050405020304" pitchFamily="18" charset="0"/>
+            </a:endParaRPr>
+          </a:p>
+          <a:p>
+            <a:pPr marL="457200" indent="-457200">
+              <a:buFont typeface="Arial" panose="020B0604020202020204" pitchFamily="34" charset="0"/>
+              <a:buChar char="•"/>
+            </a:pPr>
+            <a:endParaRPr lang="en-US" dirty="0">
+              <a:latin typeface="Times New Roman" panose="02020603050405020304" pitchFamily="18" charset="0"/>
+              <a:cs typeface="Times New Roman" panose="02020603050405020304" pitchFamily="18" charset="0"/>
+            </a:endParaRPr>
+          </a:p>
+          <a:p>
+            <a:pPr marL="457200" indent="-457200">
+              <a:buFont typeface="Arial" panose="020B0604020202020204" pitchFamily="34" charset="0"/>
+              <a:buChar char="•"/>
+            </a:pPr>
+            <a:endParaRPr lang="en-US" dirty="0">
+              <a:latin typeface="Times New Roman" panose="02020603050405020304" pitchFamily="18" charset="0"/>
+              <a:cs typeface="Times New Roman" panose="02020603050405020304" pitchFamily="18" charset="0"/>
+            </a:endParaRPr>
+          </a:p>
+        </p:txBody>
+      </p:sp>
+    </p:spTree>
+    <p:extLst>
+      <p:ext uri="{BB962C8B-B14F-4D97-AF65-F5344CB8AC3E}">
+        <p14:creationId xmlns:p14="http://schemas.microsoft.com/office/powerpoint/2010/main" val="1119766640"/>
+      </p:ext>
+    </p:extLst>
+  </p:cSld>
+  <p:clrMapOvr>
+    <a:masterClrMapping/>
+  </p:clrMapOvr>
+</p:sld>
+</file>
+
+<file path=ppt/slides/slide6.xml><?xml version="1.0" encoding="utf-8"?>
 <p:sld xmlns:a="http://schemas.openxmlformats.org/drawingml/2006/main" xmlns:r="http://schemas.openxmlformats.org/officeDocument/2006/relationships" xmlns:p="http://schemas.openxmlformats.org/presentationml/2006/main">
   <p:cSld>
     <p:spTree>
@@ -4540,7 +5084,7 @@
 </p:sld>
 </file>
 
-<file path=ppt/slides/slide6.xml><?xml version="1.0" encoding="utf-8"?>
+<file path=ppt/slides/slide7.xml><?xml version="1.0" encoding="utf-8"?>
 <p:sld xmlns:a="http://schemas.openxmlformats.org/drawingml/2006/main" xmlns:r="http://schemas.openxmlformats.org/officeDocument/2006/relationships" xmlns:p="http://schemas.openxmlformats.org/presentationml/2006/main">
   <p:cSld>
     <p:spTree>
@@ -4579,8 +5123,8 @@
         </p:blipFill>
         <p:spPr>
           <a:xfrm>
-            <a:off x="0" y="3467100"/>
-            <a:ext cx="12192000" cy="3559809"/>
+            <a:off x="0" y="3296094"/>
+            <a:ext cx="12192000" cy="3730816"/>
           </a:xfrm>
           <a:prstGeom prst="rect">
             <a:avLst/>
@@ -4610,7 +5154,7 @@
         <p:spPr>
           <a:xfrm>
             <a:off x="0" y="0"/>
-            <a:ext cx="12192000" cy="3390900"/>
+            <a:ext cx="12192000" cy="3296093"/>
           </a:xfrm>
           <a:prstGeom prst="rect">
             <a:avLst/>
@@ -4630,9 +5174,33 @@
 </p:sld>
 </file>
 
-<file path=ppt/slides/slide7.xml><?xml version="1.0" encoding="utf-8"?>
+<file path=ppt/slides/slide8.xml><?xml version="1.0" encoding="utf-8"?>
 <p:sld xmlns:a="http://schemas.openxmlformats.org/drawingml/2006/main" xmlns:r="http://schemas.openxmlformats.org/officeDocument/2006/relationships" xmlns:p="http://schemas.openxmlformats.org/presentationml/2006/main">
   <p:cSld>
+    <p:bg>
+      <p:bgPr>
+        <a:gradFill rotWithShape="1">
+          <a:gsLst>
+            <a:gs pos="0">
+              <a:schemeClr val="bg1">
+                <a:tint val="94000"/>
+                <a:satMod val="80000"/>
+                <a:lumMod val="106000"/>
+              </a:schemeClr>
+            </a:gs>
+            <a:gs pos="100000">
+              <a:schemeClr val="bg1">
+                <a:shade val="80000"/>
+              </a:schemeClr>
+            </a:gs>
+          </a:gsLst>
+          <a:path path="circle">
+            <a:fillToRect l="50000" t="50000" r="50000" b="50000"/>
+          </a:path>
+        </a:gradFill>
+        <a:effectLst/>
+      </p:bgPr>
+    </p:bg>
     <p:spTree>
       <p:nvGrpSpPr>
         <p:cNvPr id="1" name=""/>
@@ -4647,36 +5215,375 @@
           <a:chExt cx="0" cy="0"/>
         </a:xfrm>
       </p:grpSpPr>
+      <p:sp>
+        <p:nvSpPr>
+          <p:cNvPr id="8" name="Rectangle 7">
+            <a:extLst>
+              <a:ext uri="{FF2B5EF4-FFF2-40B4-BE49-F238E27FC236}">
+                <a16:creationId xmlns:a16="http://schemas.microsoft.com/office/drawing/2014/main" id="{23522FE7-5A29-4EF6-B1EF-2CA55748A772}"/>
+              </a:ext>
+              <a:ext uri="{C183D7F6-B498-43B3-948B-1728B52AA6E4}">
+                <adec:decorative xmlns:adec="http://schemas.microsoft.com/office/drawing/2017/decorative" val="1"/>
+              </a:ext>
+            </a:extLst>
+          </p:cNvPr>
+          <p:cNvSpPr>
+            <a:spLocks noGrp="1" noRot="1" noChangeAspect="1" noMove="1" noResize="1" noEditPoints="1" noAdjustHandles="1" noChangeArrowheads="1" noChangeShapeType="1" noTextEdit="1"/>
+          </p:cNvSpPr>
+          <p:nvPr>
+            <p:extLst>
+              <p:ext uri="{386F3935-93C4-4BCD-93E2-E3B085C9AB24}">
+                <p16:designElem xmlns:p16="http://schemas.microsoft.com/office/powerpoint/2015/main" val="1"/>
+              </p:ext>
+            </p:extLst>
+          </p:nvPr>
+        </p:nvSpPr>
+        <p:spPr>
+          <a:xfrm>
+            <a:off x="0" y="2019476"/>
+            <a:ext cx="12192000" cy="4105941"/>
+          </a:xfrm>
+          <a:prstGeom prst="rect">
+            <a:avLst/>
+          </a:prstGeom>
+          <a:gradFill flip="none" rotWithShape="1">
+            <a:gsLst>
+              <a:gs pos="0">
+                <a:schemeClr val="bg2">
+                  <a:alpha val="0"/>
+                </a:schemeClr>
+              </a:gs>
+              <a:gs pos="100000">
+                <a:schemeClr val="bg2"/>
+              </a:gs>
+            </a:gsLst>
+            <a:lin ang="5400000" scaled="0"/>
+            <a:tileRect/>
+          </a:gradFill>
+          <a:ln>
+            <a:noFill/>
+          </a:ln>
+        </p:spPr>
+        <p:style>
+          <a:lnRef idx="2">
+            <a:schemeClr val="accent1">
+              <a:shade val="50000"/>
+            </a:schemeClr>
+          </a:lnRef>
+          <a:fillRef idx="1">
+            <a:schemeClr val="accent1"/>
+          </a:fillRef>
+          <a:effectRef idx="0">
+            <a:schemeClr val="accent1"/>
+          </a:effectRef>
+          <a:fontRef idx="minor">
+            <a:schemeClr val="lt1"/>
+          </a:fontRef>
+        </p:style>
+      </p:sp>
       <p:pic>
         <p:nvPicPr>
-          <p:cNvPr id="2" name="Picture 1">
+          <p:cNvPr id="10" name="Picture 9">
             <a:extLst>
               <a:ext uri="{FF2B5EF4-FFF2-40B4-BE49-F238E27FC236}">
-                <a16:creationId xmlns:a16="http://schemas.microsoft.com/office/drawing/2014/main" id="{B06777C7-BA78-4BCB-9ABF-31292DF3A86D}"/>
+                <a16:creationId xmlns:a16="http://schemas.microsoft.com/office/drawing/2014/main" id="{C2192E09-EBC7-416C-B887-DFF915D7F43D}"/>
+              </a:ext>
+              <a:ext uri="{C183D7F6-B498-43B3-948B-1728B52AA6E4}">
+                <adec:decorative xmlns:adec="http://schemas.microsoft.com/office/drawing/2017/decorative" val="1"/>
               </a:ext>
             </a:extLst>
           </p:cNvPr>
           <p:cNvPicPr>
-            <a:picLocks noChangeAspect="1"/>
+            <a:picLocks noGrp="1" noRot="1" noChangeAspect="1" noMove="1" noResize="1" noEditPoints="1" noAdjustHandles="1" noChangeArrowheads="1" noChangeShapeType="1" noCrop="1"/>
           </p:cNvPicPr>
-          <p:nvPr/>
+          <p:nvPr>
+            <p:extLst>
+              <p:ext uri="{386F3935-93C4-4BCD-93E2-E3B085C9AB24}">
+                <p16:designElem xmlns:p16="http://schemas.microsoft.com/office/powerpoint/2015/main" val="1"/>
+              </p:ext>
+            </p:extLst>
+          </p:nvPr>
         </p:nvPicPr>
-        <p:blipFill>
-          <a:blip r:embed="rId2"/>
-          <a:stretch>
-            <a:fillRect/>
-          </a:stretch>
+        <p:blipFill rotWithShape="1">
+          <a:blip r:embed="rId2">
+            <a:extLst>
+              <a:ext uri="{28A0092B-C50C-407E-A947-70E740481C1C}">
+                <a14:useLocalDpi xmlns:a14="http://schemas.microsoft.com/office/drawing/2010/main" val="0"/>
+              </a:ext>
+            </a:extLst>
+          </a:blip>
+          <a:srcRect t="1538" b="-1538"/>
+          <a:stretch/>
         </p:blipFill>
-        <p:spPr>
-          <a:xfrm>
-            <a:off x="0" y="606071"/>
-            <a:ext cx="12192000" cy="5645857"/>
+        <p:spPr bwMode="black">
+          <a:xfrm>
+            <a:off x="0" y="6126480"/>
+            <a:ext cx="12192000" cy="742950"/>
           </a:xfrm>
           <a:prstGeom prst="rect">
             <a:avLst/>
           </a:prstGeom>
         </p:spPr>
       </p:pic>
+      <p:cxnSp>
+        <p:nvCxnSpPr>
+          <p:cNvPr id="12" name="Straight Connector 11">
+            <a:extLst>
+              <a:ext uri="{FF2B5EF4-FFF2-40B4-BE49-F238E27FC236}">
+                <a16:creationId xmlns:a16="http://schemas.microsoft.com/office/drawing/2014/main" id="{2924498D-E084-44BE-A196-CFCE35564350}"/>
+              </a:ext>
+              <a:ext uri="{C183D7F6-B498-43B3-948B-1728B52AA6E4}">
+                <adec:decorative xmlns:adec="http://schemas.microsoft.com/office/drawing/2017/decorative" val="1"/>
+              </a:ext>
+            </a:extLst>
+          </p:cNvPr>
+          <p:cNvCxnSpPr>
+            <a:cxnSpLocks noGrp="1" noRot="1" noChangeAspect="1" noMove="1" noResize="1" noEditPoints="1" noAdjustHandles="1" noChangeArrowheads="1" noChangeShapeType="1"/>
+          </p:cNvCxnSpPr>
+          <p:nvPr>
+            <p:extLst>
+              <p:ext uri="{386F3935-93C4-4BCD-93E2-E3B085C9AB24}">
+                <p16:designElem xmlns:p16="http://schemas.microsoft.com/office/powerpoint/2015/main" val="1"/>
+              </p:ext>
+            </p:extLst>
+          </p:nvPr>
+        </p:nvCxnSpPr>
+        <p:spPr>
+          <a:xfrm>
+            <a:off x="0" y="6128413"/>
+            <a:ext cx="12192000" cy="0"/>
+          </a:xfrm>
+          <a:prstGeom prst="line">
+            <a:avLst/>
+          </a:prstGeom>
+          <a:ln w="12700">
+            <a:solidFill>
+              <a:srgbClr val="000001">
+                <a:alpha val="20000"/>
+              </a:srgbClr>
+            </a:solidFill>
+          </a:ln>
+        </p:spPr>
+        <p:style>
+          <a:lnRef idx="1">
+            <a:schemeClr val="accent1"/>
+          </a:lnRef>
+          <a:fillRef idx="0">
+            <a:schemeClr val="accent1"/>
+          </a:fillRef>
+          <a:effectRef idx="0">
+            <a:schemeClr val="accent1"/>
+          </a:effectRef>
+          <a:fontRef idx="minor">
+            <a:schemeClr val="tx1"/>
+          </a:fontRef>
+        </p:style>
+      </p:cxnSp>
+      <p:cxnSp>
+        <p:nvCxnSpPr>
+          <p:cNvPr id="14" name="Straight Connector 13">
+            <a:extLst>
+              <a:ext uri="{FF2B5EF4-FFF2-40B4-BE49-F238E27FC236}">
+                <a16:creationId xmlns:a16="http://schemas.microsoft.com/office/drawing/2014/main" id="{3BBC7667-C352-4842-9AFD-E5C16AD002F4}"/>
+              </a:ext>
+              <a:ext uri="{C183D7F6-B498-43B3-948B-1728B52AA6E4}">
+                <adec:decorative xmlns:adec="http://schemas.microsoft.com/office/drawing/2017/decorative" val="1"/>
+              </a:ext>
+            </a:extLst>
+          </p:cNvPr>
+          <p:cNvCxnSpPr>
+            <a:cxnSpLocks noGrp="1" noRot="1" noChangeAspect="1" noMove="1" noResize="1" noEditPoints="1" noAdjustHandles="1" noChangeArrowheads="1" noChangeShapeType="1"/>
+          </p:cNvCxnSpPr>
+          <p:nvPr>
+            <p:extLst>
+              <p:ext uri="{386F3935-93C4-4BCD-93E2-E3B085C9AB24}">
+                <p16:designElem xmlns:p16="http://schemas.microsoft.com/office/powerpoint/2015/main" val="1"/>
+              </p:ext>
+            </p:extLst>
+          </p:nvPr>
+        </p:nvCxnSpPr>
+        <p:spPr>
+          <a:xfrm>
+            <a:off x="2417780" y="3528542"/>
+            <a:ext cx="8637072" cy="0"/>
+          </a:xfrm>
+          <a:prstGeom prst="line">
+            <a:avLst/>
+          </a:prstGeom>
+          <a:ln w="31750"/>
+        </p:spPr>
+        <p:style>
+          <a:lnRef idx="3">
+            <a:schemeClr val="accent1"/>
+          </a:lnRef>
+          <a:fillRef idx="0">
+            <a:schemeClr val="accent1"/>
+          </a:fillRef>
+          <a:effectRef idx="2">
+            <a:schemeClr val="accent1"/>
+          </a:effectRef>
+          <a:fontRef idx="minor">
+            <a:schemeClr val="tx1"/>
+          </a:fontRef>
+        </p:style>
+      </p:cxnSp>
+      <p:sp useBgFill="1">
+        <p:nvSpPr>
+          <p:cNvPr id="16" name="Rectangle 15">
+            <a:extLst>
+              <a:ext uri="{FF2B5EF4-FFF2-40B4-BE49-F238E27FC236}">
+                <a16:creationId xmlns:a16="http://schemas.microsoft.com/office/drawing/2014/main" id="{F0AB17F6-592B-45CB-96F6-705C9825AFBC}"/>
+              </a:ext>
+              <a:ext uri="{C183D7F6-B498-43B3-948B-1728B52AA6E4}">
+                <adec:decorative xmlns:adec="http://schemas.microsoft.com/office/drawing/2017/decorative" val="1"/>
+              </a:ext>
+            </a:extLst>
+          </p:cNvPr>
+          <p:cNvSpPr>
+            <a:spLocks noGrp="1" noRot="1" noChangeAspect="1" noMove="1" noResize="1" noEditPoints="1" noAdjustHandles="1" noChangeArrowheads="1" noChangeShapeType="1" noTextEdit="1"/>
+          </p:cNvSpPr>
+          <p:nvPr>
+            <p:extLst>
+              <p:ext uri="{386F3935-93C4-4BCD-93E2-E3B085C9AB24}">
+                <p16:designElem xmlns:p16="http://schemas.microsoft.com/office/powerpoint/2015/main" val="1"/>
+              </p:ext>
+            </p:extLst>
+          </p:nvPr>
+        </p:nvSpPr>
+        <p:spPr>
+          <a:xfrm>
+            <a:off x="2" y="0"/>
+            <a:ext cx="12191695" cy="6858000"/>
+          </a:xfrm>
+          <a:prstGeom prst="rect">
+            <a:avLst/>
+          </a:prstGeom>
+          <a:ln>
+            <a:noFill/>
+          </a:ln>
+        </p:spPr>
+        <p:style>
+          <a:lnRef idx="2">
+            <a:schemeClr val="accent1">
+              <a:shade val="50000"/>
+            </a:schemeClr>
+          </a:lnRef>
+          <a:fillRef idx="1">
+            <a:schemeClr val="accent1"/>
+          </a:fillRef>
+          <a:effectRef idx="0">
+            <a:schemeClr val="accent1"/>
+          </a:effectRef>
+          <a:fontRef idx="minor">
+            <a:schemeClr val="lt1"/>
+          </a:fontRef>
+        </p:style>
+        <p:txBody>
+          <a:bodyPr rtlCol="0" anchor="ctr"/>
+          <a:lstStyle/>
+          <a:p>
+            <a:pPr algn="ctr"/>
+            <a:endParaRPr lang="en-US"/>
+          </a:p>
+        </p:txBody>
+      </p:sp>
+      <p:sp>
+        <p:nvSpPr>
+          <p:cNvPr id="3" name="TextBox 2">
+            <a:extLst>
+              <a:ext uri="{FF2B5EF4-FFF2-40B4-BE49-F238E27FC236}">
+                <a16:creationId xmlns:a16="http://schemas.microsoft.com/office/drawing/2014/main" id="{E8269AFA-1299-4E09-BB00-13719CD76BC2}"/>
+              </a:ext>
+            </a:extLst>
+          </p:cNvPr>
+          <p:cNvSpPr txBox="1"/>
+          <p:nvPr/>
+        </p:nvSpPr>
+        <p:spPr>
+          <a:xfrm>
+            <a:off x="5039068" y="802298"/>
+            <a:ext cx="6015784" cy="5116985"/>
+          </a:xfrm>
+          <a:prstGeom prst="rect">
+            <a:avLst/>
+          </a:prstGeom>
+        </p:spPr>
+        <p:txBody>
+          <a:bodyPr vert="horz" lIns="91440" tIns="45720" rIns="91440" bIns="0" rtlCol="0" anchor="ctr">
+            <a:normAutofit/>
+          </a:bodyPr>
+          <a:lstStyle/>
+          <a:p>
+            <a:pPr defTabSz="914400">
+              <a:lnSpc>
+                <a:spcPct val="90000"/>
+              </a:lnSpc>
+              <a:spcBef>
+                <a:spcPct val="0"/>
+              </a:spcBef>
+              <a:spcAft>
+                <a:spcPts val="600"/>
+              </a:spcAft>
+            </a:pPr>
+            <a:r>
+              <a:rPr lang="en-US" sz="6600" cap="all">
+                <a:latin typeface="+mj-lt"/>
+                <a:ea typeface="+mj-ea"/>
+                <a:cs typeface="+mj-cs"/>
+              </a:rPr>
+              <a:t>Thank you</a:t>
+            </a:r>
+          </a:p>
+        </p:txBody>
+      </p:sp>
+      <p:cxnSp>
+        <p:nvCxnSpPr>
+          <p:cNvPr id="18" name="Straight Connector 17">
+            <a:extLst>
+              <a:ext uri="{FF2B5EF4-FFF2-40B4-BE49-F238E27FC236}">
+                <a16:creationId xmlns:a16="http://schemas.microsoft.com/office/drawing/2014/main" id="{5A9284E7-0823-472D-9963-18D89DFEB8B4}"/>
+              </a:ext>
+              <a:ext uri="{C183D7F6-B498-43B3-948B-1728B52AA6E4}">
+                <adec:decorative xmlns:adec="http://schemas.microsoft.com/office/drawing/2017/decorative" val="1"/>
+              </a:ext>
+            </a:extLst>
+          </p:cNvPr>
+          <p:cNvCxnSpPr>
+            <a:cxnSpLocks noGrp="1" noRot="1" noChangeAspect="1" noMove="1" noResize="1" noEditPoints="1" noAdjustHandles="1" noChangeArrowheads="1" noChangeShapeType="1"/>
+          </p:cNvCxnSpPr>
+          <p:nvPr>
+            <p:extLst>
+              <p:ext uri="{386F3935-93C4-4BCD-93E2-E3B085C9AB24}">
+                <p16:designElem xmlns:p16="http://schemas.microsoft.com/office/powerpoint/2015/main" val="1"/>
+              </p:ext>
+            </p:extLst>
+          </p:nvPr>
+        </p:nvCxnSpPr>
+        <p:spPr>
+          <a:xfrm>
+            <a:off x="4654296" y="1760590"/>
+            <a:ext cx="0" cy="3200400"/>
+          </a:xfrm>
+          <a:prstGeom prst="line">
+            <a:avLst/>
+          </a:prstGeom>
+          <a:ln w="34925"/>
+        </p:spPr>
+        <p:style>
+          <a:lnRef idx="1">
+            <a:schemeClr val="accent1"/>
+          </a:lnRef>
+          <a:fillRef idx="0">
+            <a:schemeClr val="accent1"/>
+          </a:fillRef>
+          <a:effectRef idx="0">
+            <a:schemeClr val="accent1"/>
+          </a:effectRef>
+          <a:fontRef idx="minor">
+            <a:schemeClr val="tx1"/>
+          </a:fontRef>
+        </p:style>
+      </p:cxnSp>
     </p:spTree>
     <p:extLst>
       <p:ext uri="{BB962C8B-B14F-4D97-AF65-F5344CB8AC3E}">
@@ -4685,7 +5592,7 @@
     </p:extLst>
   </p:cSld>
   <p:clrMapOvr>
-    <a:masterClrMapping/>
+    <a:overrideClrMapping bg1="dk1" tx1="lt1" bg2="dk2" tx2="lt2" accent1="accent1" accent2="accent2" accent3="accent3" accent4="accent4" accent5="accent5" accent6="accent6" hlink="hlink" folHlink="folHlink"/>
   </p:clrMapOvr>
 </p:sld>
 </file>
